--- a/Presentasjon (1).pptx
+++ b/Presentasjon (1).pptx
@@ -240,7 +240,7 @@
           <a:p>
             <a:fld id="{54C52192-B826-4AE0-9CD6-BEA9467D12B3}" type="datetimeFigureOut">
               <a:rPr lang="nb-NO" smtClean="0"/>
-              <a:t>24.02.2021</a:t>
+              <a:t>25.02.2021</a:t>
             </a:fld>
             <a:endParaRPr lang="nb-NO"/>
           </a:p>
@@ -405,7 +405,7 @@
           <a:p>
             <a:fld id="{2696BCB2-2760-41B1-A1BE-7886EF110FCB}" type="datetimeFigureOut">
               <a:rPr lang="nb-NO" smtClean="0"/>
-              <a:t>24.02.2021</a:t>
+              <a:t>25.02.2021</a:t>
             </a:fld>
             <a:endParaRPr lang="nb-NO"/>
           </a:p>
@@ -15783,7 +15783,7 @@
             <p:ph type="pic" sz="quarter" idx="13"/>
           </p:nvPr>
         </p:nvPicPr>
-        <p:blipFill rotWithShape="1">
+        <p:blipFill>
           <a:blip r:embed="rId3">
             <a:extLst>
               <a:ext uri="{28A0092B-C50C-407E-A947-70E740481C1C}">
@@ -15791,7 +15791,7 @@
               </a:ext>
             </a:extLst>
           </a:blip>
-          <a:srcRect t="17168" r="1" b="8583"/>
+          <a:srcRect t="11012" b="11012"/>
           <a:stretch/>
         </p:blipFill>
         <p:spPr>
@@ -20061,20 +20061,6 @@
 </file>
 
 <file path=customXml/item1.xml><?xml version="1.0" encoding="utf-8"?>
-<p:properties xmlns:p="http://schemas.microsoft.com/office/2006/metadata/properties" xmlns:xsi="http://www.w3.org/2001/XMLSchema-instance" xmlns:pc="http://schemas.microsoft.com/office/infopath/2007/PartnerControls">
-  <documentManagement>
-    <PublishingExpirationDate xmlns="http://schemas.microsoft.com/sharepoint/v3" xsi:nil="true"/>
-    <PublishingStartDate xmlns="http://schemas.microsoft.com/sharepoint/v3" xsi:nil="true"/>
-    <_dlc_DocId xmlns="cd7095a3-97f1-4663-a71f-a762e9d8a5de">FK7UAMZMK7QV-3061-70</_dlc_DocId>
-    <_dlc_DocIdUrl xmlns="cd7095a3-97f1-4663-a71f-a762e9d8a5de">
-      <Url>https://pingvinen.bouvet.no/stotte/dokumentmaler/_layouts/DocIdRedir.aspx?ID=FK7UAMZMK7QV-3061-70</Url>
-      <Description>FK7UAMZMK7QV-3061-70</Description>
-    </_dlc_DocIdUrl>
-  </documentManagement>
-</p:properties>
-</file>
-
-<file path=customXml/item2.xml><?xml version="1.0" encoding="utf-8"?>
 <ct:contentTypeSchema xmlns:ct="http://schemas.microsoft.com/office/2006/metadata/contentType" xmlns:ma="http://schemas.microsoft.com/office/2006/metadata/properties/metaAttributes" ct:_="" ma:_="" ma:contentTypeName="Document" ma:contentTypeID="0x0101006DE77A4C69F7B04F983EB828CF8C5433" ma:contentTypeVersion="2" ma:contentTypeDescription="Create a new document." ma:contentTypeScope="" ma:versionID="3f88a36eb5d68a1319bea6a26a0634f9">
   <xsd:schema xmlns:xsd="http://www.w3.org/2001/XMLSchema" xmlns:xs="http://www.w3.org/2001/XMLSchema" xmlns:p="http://schemas.microsoft.com/office/2006/metadata/properties" xmlns:ns1="http://schemas.microsoft.com/sharepoint/v3" xmlns:ns2="cd7095a3-97f1-4663-a71f-a762e9d8a5de" targetNamespace="http://schemas.microsoft.com/office/2006/metadata/properties" ma:root="true" ma:fieldsID="12e73613dd42fd77c3af4275080e49b8" ns1:_="" ns2:_="">
     <xsd:import namespace="http://schemas.microsoft.com/sharepoint/v3"/>
@@ -20236,7 +20222,30 @@
 </ct:contentTypeSchema>
 </file>
 
+<file path=customXml/item2.xml><?xml version="1.0" encoding="utf-8"?>
+<p:properties xmlns:p="http://schemas.microsoft.com/office/2006/metadata/properties" xmlns:xsi="http://www.w3.org/2001/XMLSchema-instance" xmlns:pc="http://schemas.microsoft.com/office/infopath/2007/PartnerControls">
+  <documentManagement>
+    <PublishingExpirationDate xmlns="http://schemas.microsoft.com/sharepoint/v3" xsi:nil="true"/>
+    <PublishingStartDate xmlns="http://schemas.microsoft.com/sharepoint/v3" xsi:nil="true"/>
+    <_dlc_DocId xmlns="cd7095a3-97f1-4663-a71f-a762e9d8a5de">FK7UAMZMK7QV-3061-70</_dlc_DocId>
+    <_dlc_DocIdUrl xmlns="cd7095a3-97f1-4663-a71f-a762e9d8a5de">
+      <Url>https://pingvinen.bouvet.no/stotte/dokumentmaler/_layouts/DocIdRedir.aspx?ID=FK7UAMZMK7QV-3061-70</Url>
+      <Description>FK7UAMZMK7QV-3061-70</Description>
+    </_dlc_DocIdUrl>
+  </documentManagement>
+</p:properties>
+</file>
+
 <file path=customXml/item3.xml><?xml version="1.0" encoding="utf-8"?>
+<?mso-contentType ?>
+<FormTemplates xmlns="http://schemas.microsoft.com/sharepoint/v3/contenttype/forms">
+  <Display>DocumentLibraryForm</Display>
+  <Edit>DocumentLibraryForm</Edit>
+  <New>DocumentLibraryForm</New>
+</FormTemplates>
+</file>
+
+<file path=customXml/item4.xml><?xml version="1.0" encoding="utf-8"?>
 <?mso-contentType ?>
 <spe:Receivers xmlns:spe="http://schemas.microsoft.com/sharepoint/events">
   <Receiver>
@@ -20282,33 +20291,7 @@
 </spe:Receivers>
 </file>
 
-<file path=customXml/item4.xml><?xml version="1.0" encoding="utf-8"?>
-<?mso-contentType ?>
-<FormTemplates xmlns="http://schemas.microsoft.com/sharepoint/v3/contenttype/forms">
-  <Display>DocumentLibraryForm</Display>
-  <Edit>DocumentLibraryForm</Edit>
-  <New>DocumentLibraryForm</New>
-</FormTemplates>
-</file>
-
 <file path=customXml/itemProps1.xml><?xml version="1.0" encoding="utf-8"?>
-<ds:datastoreItem xmlns:ds="http://schemas.openxmlformats.org/officeDocument/2006/customXml" ds:itemID="{9D2CB842-18D5-4EEF-9009-B0CAFCE7AC3E}">
-  <ds:schemaRefs>
-    <ds:schemaRef ds:uri="http://purl.org/dc/dcmitype/"/>
-    <ds:schemaRef ds:uri="http://schemas.microsoft.com/office/infopath/2007/PartnerControls"/>
-    <ds:schemaRef ds:uri="cd7095a3-97f1-4663-a71f-a762e9d8a5de"/>
-    <ds:schemaRef ds:uri="http://schemas.microsoft.com/office/2006/documentManagement/types"/>
-    <ds:schemaRef ds:uri="http://purl.org/dc/elements/1.1/"/>
-    <ds:schemaRef ds:uri="http://schemas.microsoft.com/office/2006/metadata/properties"/>
-    <ds:schemaRef ds:uri="http://schemas.microsoft.com/sharepoint/v3"/>
-    <ds:schemaRef ds:uri="http://purl.org/dc/terms/"/>
-    <ds:schemaRef ds:uri="http://schemas.openxmlformats.org/package/2006/metadata/core-properties"/>
-    <ds:schemaRef ds:uri="http://www.w3.org/XML/1998/namespace"/>
-  </ds:schemaRefs>
-</ds:datastoreItem>
-</file>
-
-<file path=customXml/itemProps2.xml><?xml version="1.0" encoding="utf-8"?>
 <ds:datastoreItem xmlns:ds="http://schemas.openxmlformats.org/officeDocument/2006/customXml" ds:itemID="{1F8D2ADD-9475-4053-913E-BB32E431EB0D}">
   <ds:schemaRefs>
     <ds:schemaRef ds:uri="http://schemas.microsoft.com/office/2006/metadata/contentType"/>
@@ -20327,18 +20310,35 @@
 </ds:datastoreItem>
 </file>
 
+<file path=customXml/itemProps2.xml><?xml version="1.0" encoding="utf-8"?>
+<ds:datastoreItem xmlns:ds="http://schemas.openxmlformats.org/officeDocument/2006/customXml" ds:itemID="{9D2CB842-18D5-4EEF-9009-B0CAFCE7AC3E}">
+  <ds:schemaRefs>
+    <ds:schemaRef ds:uri="http://purl.org/dc/dcmitype/"/>
+    <ds:schemaRef ds:uri="http://schemas.microsoft.com/office/infopath/2007/PartnerControls"/>
+    <ds:schemaRef ds:uri="cd7095a3-97f1-4663-a71f-a762e9d8a5de"/>
+    <ds:schemaRef ds:uri="http://schemas.microsoft.com/office/2006/documentManagement/types"/>
+    <ds:schemaRef ds:uri="http://purl.org/dc/elements/1.1/"/>
+    <ds:schemaRef ds:uri="http://schemas.microsoft.com/office/2006/metadata/properties"/>
+    <ds:schemaRef ds:uri="http://schemas.microsoft.com/sharepoint/v3"/>
+    <ds:schemaRef ds:uri="http://purl.org/dc/terms/"/>
+    <ds:schemaRef ds:uri="http://schemas.openxmlformats.org/package/2006/metadata/core-properties"/>
+    <ds:schemaRef ds:uri="http://www.w3.org/XML/1998/namespace"/>
+  </ds:schemaRefs>
+</ds:datastoreItem>
+</file>
+
 <file path=customXml/itemProps3.xml><?xml version="1.0" encoding="utf-8"?>
+<ds:datastoreItem xmlns:ds="http://schemas.openxmlformats.org/officeDocument/2006/customXml" ds:itemID="{BB82CC63-55FC-4D22-9ED3-DB88AF6228E1}">
+  <ds:schemaRefs>
+    <ds:schemaRef ds:uri="http://schemas.microsoft.com/sharepoint/v3/contenttype/forms"/>
+  </ds:schemaRefs>
+</ds:datastoreItem>
+</file>
+
+<file path=customXml/itemProps4.xml><?xml version="1.0" encoding="utf-8"?>
 <ds:datastoreItem xmlns:ds="http://schemas.openxmlformats.org/officeDocument/2006/customXml" ds:itemID="{1B3F50AB-02FD-4C47-98D2-8857298FC473}">
   <ds:schemaRefs>
     <ds:schemaRef ds:uri="http://schemas.microsoft.com/sharepoint/events"/>
   </ds:schemaRefs>
 </ds:datastoreItem>
-</file>
-
-<file path=customXml/itemProps4.xml><?xml version="1.0" encoding="utf-8"?>
-<ds:datastoreItem xmlns:ds="http://schemas.openxmlformats.org/officeDocument/2006/customXml" ds:itemID="{BB82CC63-55FC-4D22-9ED3-DB88AF6228E1}">
-  <ds:schemaRefs>
-    <ds:schemaRef ds:uri="http://schemas.microsoft.com/sharepoint/v3/contenttype/forms"/>
-  </ds:schemaRefs>
-</ds:datastoreItem>
 </file>